--- a/images/background.pptx
+++ b/images/background.pptx
@@ -2973,121 +2973,35 @@
           <a:chExt cx="0" cy="0"/>
         </a:xfrm>
       </p:grpSpPr>
-      <p:grpSp>
-        <p:nvGrpSpPr>
-          <p:cNvPr id="3" name="Group 2">
+      <p:pic>
+        <p:nvPicPr>
+          <p:cNvPr id="8" name="Picture 7">
             <a:extLst>
               <a:ext uri="{FF2B5EF4-FFF2-40B4-BE49-F238E27FC236}">
-                <a16:creationId xmlns:a16="http://schemas.microsoft.com/office/drawing/2014/main" id="{F480F440-172F-7447-8FC2-3E4F3F934545}"/>
+                <a16:creationId xmlns:a16="http://schemas.microsoft.com/office/drawing/2014/main" id="{F5331A74-81D0-E243-AB3B-9874483663D0}"/>
               </a:ext>
             </a:extLst>
           </p:cNvPr>
-          <p:cNvGrpSpPr/>
+          <p:cNvPicPr>
+            <a:picLocks noChangeAspect="1"/>
+          </p:cNvPicPr>
           <p:nvPr/>
-        </p:nvGrpSpPr>
-        <p:grpSpPr>
+        </p:nvPicPr>
+        <p:blipFill rotWithShape="1">
+          <a:blip r:embed="rId2"/>
+          <a:srcRect l="19856" t="14340" r="19642" b="14466"/>
+          <a:stretch/>
+        </p:blipFill>
+        <p:spPr>
           <a:xfrm>
-            <a:off x="12700" y="31750"/>
-            <a:ext cx="13690600" cy="6794500"/>
-            <a:chOff x="12700" y="31750"/>
-            <a:chExt cx="13690600" cy="6794500"/>
+            <a:off x="-207034" y="1"/>
+            <a:ext cx="14112815" cy="6873662"/>
           </a:xfrm>
-        </p:grpSpPr>
-        <p:sp>
-          <p:nvSpPr>
-            <p:cNvPr id="2" name="Rectangle 1">
-              <a:extLst>
-                <a:ext uri="{FF2B5EF4-FFF2-40B4-BE49-F238E27FC236}">
-                  <a16:creationId xmlns:a16="http://schemas.microsoft.com/office/drawing/2014/main" id="{97E5C57D-6D8A-B341-A5C9-810E78EB62E6}"/>
-                </a:ext>
-              </a:extLst>
-            </p:cNvPr>
-            <p:cNvSpPr/>
-            <p:nvPr/>
-          </p:nvSpPr>
-          <p:spPr>
-            <a:xfrm>
-              <a:off x="112734" y="31750"/>
-              <a:ext cx="13490532" cy="6794500"/>
-            </a:xfrm>
-            <a:prstGeom prst="rect">
-              <a:avLst/>
-            </a:prstGeom>
-            <a:solidFill>
-              <a:schemeClr val="bg1"/>
-            </a:solidFill>
-            <a:ln>
-              <a:noFill/>
-            </a:ln>
-          </p:spPr>
-          <p:style>
-            <a:lnRef idx="2">
-              <a:schemeClr val="accent1">
-                <a:shade val="50000"/>
-              </a:schemeClr>
-            </a:lnRef>
-            <a:fillRef idx="1">
-              <a:schemeClr val="accent1"/>
-            </a:fillRef>
-            <a:effectRef idx="0">
-              <a:schemeClr val="accent1"/>
-            </a:effectRef>
-            <a:fontRef idx="minor">
-              <a:schemeClr val="lt1"/>
-            </a:fontRef>
-          </p:style>
-          <p:txBody>
-            <a:bodyPr rtlCol="0" anchor="ctr"/>
-            <a:lstStyle/>
-            <a:p>
-              <a:pPr algn="ctr"/>
-              <a:endParaRPr lang="en-US"/>
-            </a:p>
-          </p:txBody>
-        </p:sp>
-        <p:pic>
-          <p:nvPicPr>
-            <p:cNvPr id="19" name="Picture 18">
-              <a:extLst>
-                <a:ext uri="{FF2B5EF4-FFF2-40B4-BE49-F238E27FC236}">
-                  <a16:creationId xmlns:a16="http://schemas.microsoft.com/office/drawing/2014/main" id="{E8610498-BA06-D744-A345-9AAA91F6BE79}"/>
-                </a:ext>
-              </a:extLst>
-            </p:cNvPr>
-            <p:cNvPicPr>
-              <a:picLocks noChangeAspect="1"/>
-            </p:cNvPicPr>
-            <p:nvPr/>
-          </p:nvPicPr>
-          <p:blipFill>
-            <a:blip r:embed="rId2">
-              <a:extLst>
-                <a:ext uri="{BEBA8EAE-BF5A-486C-A8C5-ECC9F3942E4B}">
-                  <a14:imgProps xmlns:a14="http://schemas.microsoft.com/office/drawing/2010/main">
-                    <a14:imgLayer>
-                      <a14:imgEffect>
-                        <a14:brightnessContrast bright="40000" contrast="20000"/>
-                      </a14:imgEffect>
-                    </a14:imgLayer>
-                  </a14:imgProps>
-                </a:ext>
-              </a:extLst>
-            </a:blip>
-            <a:stretch>
-              <a:fillRect/>
-            </a:stretch>
-          </p:blipFill>
-          <p:spPr>
-            <a:xfrm>
-              <a:off x="12700" y="31750"/>
-              <a:ext cx="13690600" cy="6794500"/>
-            </a:xfrm>
-            <a:prstGeom prst="rect">
-              <a:avLst/>
-            </a:prstGeom>
-          </p:spPr>
-        </p:pic>
-      </p:grpSp>
+          <a:prstGeom prst="rect">
+            <a:avLst/>
+          </a:prstGeom>
+        </p:spPr>
+      </p:pic>
     </p:spTree>
     <p:extLst>
       <p:ext uri="{BB962C8B-B14F-4D97-AF65-F5344CB8AC3E}">

--- a/images/background.pptx
+++ b/images/background.pptx
@@ -2988,7 +2988,22 @@
           <p:nvPr/>
         </p:nvPicPr>
         <p:blipFill rotWithShape="1">
-          <a:blip r:embed="rId2"/>
+          <a:blip r:embed="rId2">
+            <a:extLst>
+              <a:ext uri="{BEBA8EAE-BF5A-486C-A8C5-ECC9F3942E4B}">
+                <a14:imgProps xmlns:a14="http://schemas.microsoft.com/office/drawing/2010/main">
+                  <a14:imgLayer>
+                    <a14:imgEffect>
+                      <a14:saturation sat="33000"/>
+                    </a14:imgEffect>
+                    <a14:imgEffect>
+                      <a14:brightnessContrast bright="-20000" contrast="40000"/>
+                    </a14:imgEffect>
+                  </a14:imgLayer>
+                </a14:imgProps>
+              </a:ext>
+            </a:extLst>
+          </a:blip>
           <a:srcRect l="19856" t="14340" r="19642" b="14466"/>
           <a:stretch/>
         </p:blipFill>

--- a/images/background.pptx
+++ b/images/background.pptx
@@ -243,7 +243,7 @@
           <a:p>
             <a:fld id="{00A3184A-1A80-B64D-BDC7-C27AE57F3AA9}" type="datetimeFigureOut">
               <a:rPr lang="en-US" smtClean="0"/>
-              <a:t>6/22/18</a:t>
+              <a:t>6/23/18</a:t>
             </a:fld>
             <a:endParaRPr lang="en-US"/>
           </a:p>
@@ -413,7 +413,7 @@
           <a:p>
             <a:fld id="{00A3184A-1A80-B64D-BDC7-C27AE57F3AA9}" type="datetimeFigureOut">
               <a:rPr lang="en-US" smtClean="0"/>
-              <a:t>6/22/18</a:t>
+              <a:t>6/23/18</a:t>
             </a:fld>
             <a:endParaRPr lang="en-US"/>
           </a:p>
@@ -593,7 +593,7 @@
           <a:p>
             <a:fld id="{00A3184A-1A80-B64D-BDC7-C27AE57F3AA9}" type="datetimeFigureOut">
               <a:rPr lang="en-US" smtClean="0"/>
-              <a:t>6/22/18</a:t>
+              <a:t>6/23/18</a:t>
             </a:fld>
             <a:endParaRPr lang="en-US"/>
           </a:p>
@@ -763,7 +763,7 @@
           <a:p>
             <a:fld id="{00A3184A-1A80-B64D-BDC7-C27AE57F3AA9}" type="datetimeFigureOut">
               <a:rPr lang="en-US" smtClean="0"/>
-              <a:t>6/22/18</a:t>
+              <a:t>6/23/18</a:t>
             </a:fld>
             <a:endParaRPr lang="en-US"/>
           </a:p>
@@ -1009,7 +1009,7 @@
           <a:p>
             <a:fld id="{00A3184A-1A80-B64D-BDC7-C27AE57F3AA9}" type="datetimeFigureOut">
               <a:rPr lang="en-US" smtClean="0"/>
-              <a:t>6/22/18</a:t>
+              <a:t>6/23/18</a:t>
             </a:fld>
             <a:endParaRPr lang="en-US"/>
           </a:p>
@@ -1241,7 +1241,7 @@
           <a:p>
             <a:fld id="{00A3184A-1A80-B64D-BDC7-C27AE57F3AA9}" type="datetimeFigureOut">
               <a:rPr lang="en-US" smtClean="0"/>
-              <a:t>6/22/18</a:t>
+              <a:t>6/23/18</a:t>
             </a:fld>
             <a:endParaRPr lang="en-US"/>
           </a:p>
@@ -1608,7 +1608,7 @@
           <a:p>
             <a:fld id="{00A3184A-1A80-B64D-BDC7-C27AE57F3AA9}" type="datetimeFigureOut">
               <a:rPr lang="en-US" smtClean="0"/>
-              <a:t>6/22/18</a:t>
+              <a:t>6/23/18</a:t>
             </a:fld>
             <a:endParaRPr lang="en-US"/>
           </a:p>
@@ -1726,7 +1726,7 @@
           <a:p>
             <a:fld id="{00A3184A-1A80-B64D-BDC7-C27AE57F3AA9}" type="datetimeFigureOut">
               <a:rPr lang="en-US" smtClean="0"/>
-              <a:t>6/22/18</a:t>
+              <a:t>6/23/18</a:t>
             </a:fld>
             <a:endParaRPr lang="en-US"/>
           </a:p>
@@ -1821,7 +1821,7 @@
           <a:p>
             <a:fld id="{00A3184A-1A80-B64D-BDC7-C27AE57F3AA9}" type="datetimeFigureOut">
               <a:rPr lang="en-US" smtClean="0"/>
-              <a:t>6/22/18</a:t>
+              <a:t>6/23/18</a:t>
             </a:fld>
             <a:endParaRPr lang="en-US"/>
           </a:p>
@@ -2098,7 +2098,7 @@
           <a:p>
             <a:fld id="{00A3184A-1A80-B64D-BDC7-C27AE57F3AA9}" type="datetimeFigureOut">
               <a:rPr lang="en-US" smtClean="0"/>
-              <a:t>6/22/18</a:t>
+              <a:t>6/23/18</a:t>
             </a:fld>
             <a:endParaRPr lang="en-US"/>
           </a:p>
@@ -2355,7 +2355,7 @@
           <a:p>
             <a:fld id="{00A3184A-1A80-B64D-BDC7-C27AE57F3AA9}" type="datetimeFigureOut">
               <a:rPr lang="en-US" smtClean="0"/>
-              <a:t>6/22/18</a:t>
+              <a:t>6/23/18</a:t>
             </a:fld>
             <a:endParaRPr lang="en-US"/>
           </a:p>
@@ -2568,7 +2568,7 @@
           <a:p>
             <a:fld id="{00A3184A-1A80-B64D-BDC7-C27AE57F3AA9}" type="datetimeFigureOut">
               <a:rPr lang="en-US" smtClean="0"/>
-              <a:t>6/22/18</a:t>
+              <a:t>6/23/18</a:t>
             </a:fld>
             <a:endParaRPr lang="en-US"/>
           </a:p>
@@ -2989,6 +2989,7 @@
         </p:nvPicPr>
         <p:blipFill rotWithShape="1">
           <a:blip r:embed="rId2">
+            <a:alphaModFix amt="85000"/>
             <a:extLst>
               <a:ext uri="{BEBA8EAE-BF5A-486C-A8C5-ECC9F3942E4B}">
                 <a14:imgProps xmlns:a14="http://schemas.microsoft.com/office/drawing/2010/main">
